--- a/tmplt1.pptx
+++ b/tmplt1.pptx
@@ -243,7 +243,7 @@
           <a:p>
             <a:fld id="{3CA2A934-5987-4122-829A-5C2029ED8DCD}" type="datetimeFigureOut">
               <a:rPr lang="ru-RU" smtClean="0"/>
-              <a:t>13.12.2021</a:t>
+              <a:t>06.02.2022</a:t>
             </a:fld>
             <a:endParaRPr lang="ru-RU"/>
           </a:p>
@@ -413,7 +413,7 @@
           <a:p>
             <a:fld id="{3CA2A934-5987-4122-829A-5C2029ED8DCD}" type="datetimeFigureOut">
               <a:rPr lang="ru-RU" smtClean="0"/>
-              <a:t>13.12.2021</a:t>
+              <a:t>06.02.2022</a:t>
             </a:fld>
             <a:endParaRPr lang="ru-RU"/>
           </a:p>
@@ -593,7 +593,7 @@
           <a:p>
             <a:fld id="{3CA2A934-5987-4122-829A-5C2029ED8DCD}" type="datetimeFigureOut">
               <a:rPr lang="ru-RU" smtClean="0"/>
-              <a:t>13.12.2021</a:t>
+              <a:t>06.02.2022</a:t>
             </a:fld>
             <a:endParaRPr lang="ru-RU"/>
           </a:p>
@@ -763,7 +763,7 @@
           <a:p>
             <a:fld id="{3CA2A934-5987-4122-829A-5C2029ED8DCD}" type="datetimeFigureOut">
               <a:rPr lang="ru-RU" smtClean="0"/>
-              <a:t>13.12.2021</a:t>
+              <a:t>06.02.2022</a:t>
             </a:fld>
             <a:endParaRPr lang="ru-RU"/>
           </a:p>
@@ -1007,7 +1007,7 @@
           <a:p>
             <a:fld id="{3CA2A934-5987-4122-829A-5C2029ED8DCD}" type="datetimeFigureOut">
               <a:rPr lang="ru-RU" smtClean="0"/>
-              <a:t>13.12.2021</a:t>
+              <a:t>06.02.2022</a:t>
             </a:fld>
             <a:endParaRPr lang="ru-RU"/>
           </a:p>
@@ -1239,7 +1239,7 @@
           <a:p>
             <a:fld id="{3CA2A934-5987-4122-829A-5C2029ED8DCD}" type="datetimeFigureOut">
               <a:rPr lang="ru-RU" smtClean="0"/>
-              <a:t>13.12.2021</a:t>
+              <a:t>06.02.2022</a:t>
             </a:fld>
             <a:endParaRPr lang="ru-RU"/>
           </a:p>
@@ -1606,7 +1606,7 @@
           <a:p>
             <a:fld id="{3CA2A934-5987-4122-829A-5C2029ED8DCD}" type="datetimeFigureOut">
               <a:rPr lang="ru-RU" smtClean="0"/>
-              <a:t>13.12.2021</a:t>
+              <a:t>06.02.2022</a:t>
             </a:fld>
             <a:endParaRPr lang="ru-RU"/>
           </a:p>
@@ -1724,7 +1724,7 @@
           <a:p>
             <a:fld id="{3CA2A934-5987-4122-829A-5C2029ED8DCD}" type="datetimeFigureOut">
               <a:rPr lang="ru-RU" smtClean="0"/>
-              <a:t>13.12.2021</a:t>
+              <a:t>06.02.2022</a:t>
             </a:fld>
             <a:endParaRPr lang="ru-RU"/>
           </a:p>
@@ -1819,7 +1819,7 @@
           <a:p>
             <a:fld id="{3CA2A934-5987-4122-829A-5C2029ED8DCD}" type="datetimeFigureOut">
               <a:rPr lang="ru-RU" smtClean="0"/>
-              <a:t>13.12.2021</a:t>
+              <a:t>06.02.2022</a:t>
             </a:fld>
             <a:endParaRPr lang="ru-RU"/>
           </a:p>
@@ -2096,7 +2096,7 @@
           <a:p>
             <a:fld id="{3CA2A934-5987-4122-829A-5C2029ED8DCD}" type="datetimeFigureOut">
               <a:rPr lang="ru-RU" smtClean="0"/>
-              <a:t>13.12.2021</a:t>
+              <a:t>06.02.2022</a:t>
             </a:fld>
             <a:endParaRPr lang="ru-RU"/>
           </a:p>
@@ -2353,7 +2353,7 @@
           <a:p>
             <a:fld id="{3CA2A934-5987-4122-829A-5C2029ED8DCD}" type="datetimeFigureOut">
               <a:rPr lang="ru-RU" smtClean="0"/>
-              <a:t>13.12.2021</a:t>
+              <a:t>06.02.2022</a:t>
             </a:fld>
             <a:endParaRPr lang="ru-RU"/>
           </a:p>
@@ -2566,7 +2566,7 @@
           <a:p>
             <a:fld id="{3CA2A934-5987-4122-829A-5C2029ED8DCD}" type="datetimeFigureOut">
               <a:rPr lang="ru-RU" smtClean="0"/>
-              <a:t>13.12.2021</a:t>
+              <a:t>06.02.2022</a:t>
             </a:fld>
             <a:endParaRPr lang="ru-RU"/>
           </a:p>
@@ -2976,7 +2976,7 @@
           <p:cNvPr id="7" name="Группа 6">
             <a:extLst>
               <a:ext uri="{FF2B5EF4-FFF2-40B4-BE49-F238E27FC236}">
-                <a16:creationId xmlns:a16="http://schemas.microsoft.com/office/drawing/2014/main" id="{4CBEE8F3-B6B1-45F9-B895-CD9CE841CBE4}"/>
+                <a16:creationId xmlns:a16="http://schemas.microsoft.com/office/drawing/2014/main" xmlns="" id="{4CBEE8F3-B6B1-45F9-B895-CD9CE841CBE4}"/>
               </a:ext>
             </a:extLst>
           </p:cNvPr>
@@ -2996,7 +2996,7 @@
             <p:cNvPr id="5" name="Рисунок 4">
               <a:extLst>
                 <a:ext uri="{FF2B5EF4-FFF2-40B4-BE49-F238E27FC236}">
-                  <a16:creationId xmlns:a16="http://schemas.microsoft.com/office/drawing/2014/main" id="{29453A02-761D-4509-A4E4-0143809559FC}"/>
+                  <a16:creationId xmlns:a16="http://schemas.microsoft.com/office/drawing/2014/main" xmlns="" id="{29453A02-761D-4509-A4E4-0143809559FC}"/>
                 </a:ext>
               </a:extLst>
             </p:cNvPr>
@@ -3006,7 +3006,7 @@
             <p:nvPr/>
           </p:nvPicPr>
           <p:blipFill>
-            <a:blip r:embed="rId2">
+            <a:blip r:embed="rId2" cstate="print">
               <a:extLst>
                 <a:ext uri="{28A0092B-C50C-407E-A947-70E740481C1C}">
                   <a14:useLocalDpi xmlns:a14="http://schemas.microsoft.com/office/drawing/2010/main" val="0"/>
@@ -3032,7 +3032,7 @@
             <p:cNvPr id="6" name="Прямоугольник 5">
               <a:extLst>
                 <a:ext uri="{FF2B5EF4-FFF2-40B4-BE49-F238E27FC236}">
-                  <a16:creationId xmlns:a16="http://schemas.microsoft.com/office/drawing/2014/main" id="{0359DF5D-3188-4C7A-9C26-C2B229DEF427}"/>
+                  <a16:creationId xmlns:a16="http://schemas.microsoft.com/office/drawing/2014/main" xmlns="" id="{0359DF5D-3188-4C7A-9C26-C2B229DEF427}"/>
                 </a:ext>
               </a:extLst>
             </p:cNvPr>
@@ -3085,7 +3085,7 @@
           <p:cNvPr id="8" name="Подзаголовок 2">
             <a:extLst>
               <a:ext uri="{FF2B5EF4-FFF2-40B4-BE49-F238E27FC236}">
-                <a16:creationId xmlns:a16="http://schemas.microsoft.com/office/drawing/2014/main" id="{40E3F3BE-91BF-4D7D-BC45-63543350E094}"/>
+                <a16:creationId xmlns:a16="http://schemas.microsoft.com/office/drawing/2014/main" xmlns="" id="{40E3F3BE-91BF-4D7D-BC45-63543350E094}"/>
               </a:ext>
             </a:extLst>
           </p:cNvPr>
@@ -3124,6 +3124,82 @@
               </a:solidFill>
               <a:latin typeface="Roboto Medium" panose="02000000000000000000" pitchFamily="2" charset="0"/>
               <a:ea typeface="Roboto Medium" panose="02000000000000000000" pitchFamily="2" charset="0"/>
+            </a:endParaRPr>
+          </a:p>
+        </p:txBody>
+      </p:sp>
+      <p:sp>
+        <p:nvSpPr>
+          <p:cNvPr id="3" name="TextBox 2"/>
+          <p:cNvSpPr txBox="1"/>
+          <p:nvPr/>
+        </p:nvSpPr>
+        <p:spPr>
+          <a:xfrm>
+            <a:off x="5875235" y="-1"/>
+            <a:ext cx="552139" cy="338554"/>
+          </a:xfrm>
+          <a:prstGeom prst="rect">
+            <a:avLst/>
+          </a:prstGeom>
+          <a:noFill/>
+        </p:spPr>
+        <p:txBody>
+          <a:bodyPr wrap="none" rtlCol="0">
+            <a:spAutoFit/>
+          </a:bodyPr>
+          <a:lstStyle/>
+          <a:p>
+            <a:r>
+              <a:rPr lang="en-US" sz="1600" dirty="0" smtClean="0">
+                <a:solidFill>
+                  <a:srgbClr val="F18B35"/>
+                </a:solidFill>
+              </a:rPr>
+              <a:t>data</a:t>
+            </a:r>
+            <a:endParaRPr lang="ru-RU" dirty="0">
+              <a:solidFill>
+                <a:srgbClr val="F18B35"/>
+              </a:solidFill>
+            </a:endParaRPr>
+          </a:p>
+        </p:txBody>
+      </p:sp>
+      <p:sp>
+        <p:nvSpPr>
+          <p:cNvPr id="4" name="TextBox 3"/>
+          <p:cNvSpPr txBox="1"/>
+          <p:nvPr/>
+        </p:nvSpPr>
+        <p:spPr>
+          <a:xfrm>
+            <a:off x="0" y="9350930"/>
+            <a:ext cx="303288" cy="276999"/>
+          </a:xfrm>
+          <a:prstGeom prst="rect">
+            <a:avLst/>
+          </a:prstGeom>
+          <a:noFill/>
+        </p:spPr>
+        <p:txBody>
+          <a:bodyPr wrap="none" rtlCol="0">
+            <a:spAutoFit/>
+          </a:bodyPr>
+          <a:lstStyle/>
+          <a:p>
+            <a:r>
+              <a:rPr lang="en-US" sz="1200" dirty="0" smtClean="0">
+                <a:solidFill>
+                  <a:srgbClr val="F18B35"/>
+                </a:solidFill>
+              </a:rPr>
+              <a:t>Id</a:t>
+            </a:r>
+            <a:endParaRPr lang="ru-RU" dirty="0">
+              <a:solidFill>
+                <a:srgbClr val="F18B35"/>
+              </a:solidFill>
             </a:endParaRPr>
           </a:p>
         </p:txBody>
